--- a/solutions/cisco/ai/network-analytics/presales/solution-briefing.pptx
+++ b/solutions/cisco/ai/network-analytics/presales/solution-briefing.pptx
@@ -4814,19 +4814,19 @@
           <a:p>
             <a:pPr lvl="1"/>
             <a:r>
-              <a:t>Cisco DNA Center appliances (DN2-HW-APL) with primary and secondary HA for 99.9% uptime</a:t>
+              <a:t>Cisco DNA Center appliances with primary and secondary HA for 99.9% uptime</a:t>
             </a:r>
           </a:p>
           <a:p>
             <a:pPr lvl="1"/>
             <a:r>
-              <a:t>AI Network Analytics with predictive failure detection and automated remediation workflows</a:t>
+              <a:t>AI Network Analytics with predictive failure detection and automated remediation</a:t>
             </a:r>
           </a:p>
           <a:p>
             <a:pPr lvl="1"/>
             <a:r>
-              <a:t>Application Experience monitoring for Office 365, Webex, SAP with real-time SLA tracking</a:t>
+              <a:t>Application Experience monitoring for Office 365, Webex, and SAP</a:t>
             </a:r>
           </a:p>
           <a:p>
@@ -4839,25 +4839,19 @@
           <a:p>
             <a:pPr lvl="1"/>
             <a:r>
-              <a:t>Platform: Cisco DNA Center with vManage orchestration</a:t>
+              <a:t>Platform: Cisco DNA Center with zero-touch provisioning and policy automation</a:t>
             </a:r>
           </a:p>
           <a:p>
             <a:pPr lvl="1"/>
             <a:r>
-              <a:t>Automation: Zero-touch provisioning and policy templates</a:t>
+              <a:t>Integration: Active Directory, ServiceNow ITSM, and NetBox IPAM</a:t>
             </a:r>
           </a:p>
           <a:p>
             <a:pPr lvl="1"/>
             <a:r>
-              <a:t>Integration: Active Directory, ServiceNow ITSM, NetBox IPAM</a:t>
-            </a:r>
-          </a:p>
-          <a:p>
-            <a:pPr lvl="1"/>
-            <a:r>
-              <a:t>Security: TrustSec micro-segmentation (optional)</a:t>
+              <a:t>Security: TrustSec micro-segmentation with policy-based access control</a:t>
             </a:r>
           </a:p>
         </p:txBody>
@@ -5686,7 +5680,7 @@
               <a:t>Client:</a:t>
             </a:r>
             <a:r>
-              <a:t> Multi-hospital healthcare system with 180 network devices across 8 locations managing patient care systems, EMR access, and telemedicine platforms</a:t>
+              <a:t> Multi-hospital healthcare system with 180 devices across 8 locations</a:t>
             </a:r>
           </a:p>
           <a:p>
@@ -5696,7 +5690,7 @@
               <a:t>Challenge:</a:t>
             </a:r>
             <a:r>
-              <a:t> Reactive troubleshooting causing 4-6 hour network outages impacting patient care. Manual switch provisioning taking 4 hours per device limiting expansion. No visibility into application performance for critical healthcare apps.</a:t>
+              <a:t> 4-6 hour outages impacting patient care. Manual provisioning taking 4 hours per device. No application performance visibility for critical healthcare apps.</a:t>
             </a:r>
           </a:p>
           <a:p>
@@ -5706,7 +5700,7 @@
               <a:t>Solution:</a:t>
             </a:r>
             <a:r>
-              <a:t> Deployed Cisco DNA Center with AI Network Analytics for 180 devices. Implemented zero-touch provisioning and application experience monitoring for Epic EMR and telemedicine platforms. Integrated with ServiceNow ITSM for automated ticket workflows.</a:t>
+              <a:t> Deployed DNA Center with AI analytics, zero-touch provisioning, and Epic EMR monitoring.</a:t>
             </a:r>
           </a:p>
           <a:p>
@@ -5716,7 +5710,7 @@
               <a:t>Results:</a:t>
             </a:r>
             <a:r>
-              <a:t> 78% reduction in MTTR (6 hours to 1.3 hours) with AI root cause analysis. Zero-touch provisioning reduced device deployment from 4 hours to 12 minutes. 99.8% network uptime achieved with predictive failure detection preventing 14 unplanned outages. $135K annual operational savings with 14-month ROI.</a:t>
+              <a:t> 78% MTTR reduction and 99.8% uptime achieved. Device deployment reduced to 12 minutes. $135K annual savings with 14-month ROI.</a:t>
             </a:r>
           </a:p>
           <a:p>
@@ -5726,7 +5720,7 @@
               <a:t>Testimonial:</a:t>
             </a:r>
             <a:r>
-              <a:t> "DNA Center transformed our network operations from reactive firefighting to proactive management. We detected and prevented device failures before they impacted patient care. The AI analytics gave us visibility we never had before." — </a:t>
+              <a:t> "DNA Center transformed our network from reactive firefighting to proactive management. We detected device failures before impacting patient care." — </a:t>
             </a:r>
             <a:r>
               <a:rPr b="1"/>

--- a/solutions/cisco/ai/network-analytics/presales/solution-briefing.pptx
+++ b/solutions/cisco/ai/network-analytics/presales/solution-briefing.pptx
@@ -693,6 +693,39 @@
       </p:grpSpPr>
       <p:sp>
         <p:nvSpPr>
+          <p:cNvPr id="12" name="Picture Placeholder 13">
+            <a:extLst>
+              <a:ext uri="{FF2B5EF4-FFF2-40B4-BE49-F238E27FC236}">
+                <a16:creationId xmlns:a16="http://schemas.microsoft.com/office/drawing/2014/main" id="{2DB97592-C4D5-B315-7F11-AA14F6EE8A62}"/>
+              </a:ext>
+            </a:extLst>
+          </p:cNvPr>
+          <p:cNvSpPr>
+            <a:spLocks noGrp="1"/>
+          </p:cNvSpPr>
+          <p:nvPr>
+            <p:ph type="pic" sz="quarter" idx="13"/>
+          </p:nvPr>
+        </p:nvSpPr>
+        <p:spPr>
+          <a:xfrm>
+            <a:off x="313593" y="4536078"/>
+            <a:ext cx="2143858" cy="529698"/>
+          </a:xfrm>
+          <a:prstGeom prst="rect">
+            <a:avLst/>
+          </a:prstGeom>
+        </p:spPr>
+        <p:txBody>
+          <a:bodyPr/>
+          <a:lstStyle/>
+          <a:p>
+            <a:endParaRPr lang="en-US" dirty="0"/>
+          </a:p>
+        </p:txBody>
+      </p:sp>
+      <p:sp>
+        <p:nvSpPr>
           <p:cNvPr id="3" name="Shape 1">
             <a:extLst>
               <a:ext uri="{FF2B5EF4-FFF2-40B4-BE49-F238E27FC236}">
@@ -782,39 +815,6 @@
               <a:rPr lang="en-US" dirty="0"/>
               <a:t>Slide Title</a:t>
             </a:r>
-          </a:p>
-        </p:txBody>
-      </p:sp>
-      <p:sp>
-        <p:nvSpPr>
-          <p:cNvPr id="12" name="Picture Placeholder 13">
-            <a:extLst>
-              <a:ext uri="{FF2B5EF4-FFF2-40B4-BE49-F238E27FC236}">
-                <a16:creationId xmlns:a16="http://schemas.microsoft.com/office/drawing/2014/main" id="{2DB97592-C4D5-B315-7F11-AA14F6EE8A62}"/>
-              </a:ext>
-            </a:extLst>
-          </p:cNvPr>
-          <p:cNvSpPr>
-            <a:spLocks noGrp="1"/>
-          </p:cNvSpPr>
-          <p:nvPr>
-            <p:ph type="pic" sz="quarter" idx="13"/>
-          </p:nvPr>
-        </p:nvSpPr>
-        <p:spPr>
-          <a:xfrm>
-            <a:off x="313593" y="4536078"/>
-            <a:ext cx="2143858" cy="529698"/>
-          </a:xfrm>
-          <a:prstGeom prst="rect">
-            <a:avLst/>
-          </a:prstGeom>
-        </p:spPr>
-        <p:txBody>
-          <a:bodyPr/>
-          <a:lstStyle/>
-          <a:p>
-            <a:endParaRPr lang="en-US" dirty="0"/>
           </a:p>
         </p:txBody>
       </p:sp>
@@ -971,6 +971,39 @@
       </p:grpSpPr>
       <p:sp>
         <p:nvSpPr>
+          <p:cNvPr id="12" name="Picture Placeholder 13">
+            <a:extLst>
+              <a:ext uri="{FF2B5EF4-FFF2-40B4-BE49-F238E27FC236}">
+                <a16:creationId xmlns:a16="http://schemas.microsoft.com/office/drawing/2014/main" id="{2DB97592-C4D5-B315-7F11-AA14F6EE8A62}"/>
+              </a:ext>
+            </a:extLst>
+          </p:cNvPr>
+          <p:cNvSpPr>
+            <a:spLocks noGrp="1"/>
+          </p:cNvSpPr>
+          <p:nvPr>
+            <p:ph type="pic" sz="quarter" idx="13"/>
+          </p:nvPr>
+        </p:nvSpPr>
+        <p:spPr>
+          <a:xfrm>
+            <a:off x="313593" y="4536078"/>
+            <a:ext cx="2143858" cy="529698"/>
+          </a:xfrm>
+          <a:prstGeom prst="rect">
+            <a:avLst/>
+          </a:prstGeom>
+        </p:spPr>
+        <p:txBody>
+          <a:bodyPr/>
+          <a:lstStyle/>
+          <a:p>
+            <a:endParaRPr lang="en-US" dirty="0"/>
+          </a:p>
+        </p:txBody>
+      </p:sp>
+      <p:sp>
+        <p:nvSpPr>
           <p:cNvPr id="3" name="Shape 1">
             <a:extLst>
               <a:ext uri="{FF2B5EF4-FFF2-40B4-BE49-F238E27FC236}">
@@ -1060,39 +1093,6 @@
               <a:rPr lang="en-US" dirty="0"/>
               <a:t>Bullet Points</a:t>
             </a:r>
-          </a:p>
-        </p:txBody>
-      </p:sp>
-      <p:sp>
-        <p:nvSpPr>
-          <p:cNvPr id="12" name="Picture Placeholder 13">
-            <a:extLst>
-              <a:ext uri="{FF2B5EF4-FFF2-40B4-BE49-F238E27FC236}">
-                <a16:creationId xmlns:a16="http://schemas.microsoft.com/office/drawing/2014/main" id="{2DB97592-C4D5-B315-7F11-AA14F6EE8A62}"/>
-              </a:ext>
-            </a:extLst>
-          </p:cNvPr>
-          <p:cNvSpPr>
-            <a:spLocks noGrp="1"/>
-          </p:cNvSpPr>
-          <p:nvPr>
-            <p:ph type="pic" sz="quarter" idx="13"/>
-          </p:nvPr>
-        </p:nvSpPr>
-        <p:spPr>
-          <a:xfrm>
-            <a:off x="313593" y="4536078"/>
-            <a:ext cx="2143858" cy="529698"/>
-          </a:xfrm>
-          <a:prstGeom prst="rect">
-            <a:avLst/>
-          </a:prstGeom>
-        </p:spPr>
-        <p:txBody>
-          <a:bodyPr/>
-          <a:lstStyle/>
-          <a:p>
-            <a:endParaRPr lang="en-US" dirty="0"/>
           </a:p>
         </p:txBody>
       </p:sp>
@@ -1235,6 +1235,39 @@
       </p:grpSpPr>
       <p:sp>
         <p:nvSpPr>
+          <p:cNvPr id="10" name="Picture Placeholder 13">
+            <a:extLst>
+              <a:ext uri="{FF2B5EF4-FFF2-40B4-BE49-F238E27FC236}">
+                <a16:creationId xmlns:a16="http://schemas.microsoft.com/office/drawing/2014/main" id="{6A0FA445-7602-F06E-EC73-5504EBF827CC}"/>
+              </a:ext>
+            </a:extLst>
+          </p:cNvPr>
+          <p:cNvSpPr>
+            <a:spLocks noGrp="1"/>
+          </p:cNvSpPr>
+          <p:nvPr>
+            <p:ph type="pic" sz="quarter" idx="14"/>
+          </p:nvPr>
+        </p:nvSpPr>
+        <p:spPr>
+          <a:xfrm>
+            <a:off x="313592" y="4536078"/>
+            <a:ext cx="2121877" cy="529698"/>
+          </a:xfrm>
+          <a:prstGeom prst="rect">
+            <a:avLst/>
+          </a:prstGeom>
+        </p:spPr>
+        <p:txBody>
+          <a:bodyPr/>
+          <a:lstStyle/>
+          <a:p>
+            <a:endParaRPr lang="en-US" dirty="0"/>
+          </a:p>
+        </p:txBody>
+      </p:sp>
+      <p:sp>
+        <p:nvSpPr>
           <p:cNvPr id="3" name="Shape 1">
             <a:extLst>
               <a:ext uri="{FF2B5EF4-FFF2-40B4-BE49-F238E27FC236}">
@@ -1324,39 +1357,6 @@
               <a:rPr lang="en-US" dirty="0"/>
               <a:t>Two Column Layout</a:t>
             </a:r>
-          </a:p>
-        </p:txBody>
-      </p:sp>
-      <p:sp>
-        <p:nvSpPr>
-          <p:cNvPr id="10" name="Picture Placeholder 13">
-            <a:extLst>
-              <a:ext uri="{FF2B5EF4-FFF2-40B4-BE49-F238E27FC236}">
-                <a16:creationId xmlns:a16="http://schemas.microsoft.com/office/drawing/2014/main" id="{6A0FA445-7602-F06E-EC73-5504EBF827CC}"/>
-              </a:ext>
-            </a:extLst>
-          </p:cNvPr>
-          <p:cNvSpPr>
-            <a:spLocks noGrp="1"/>
-          </p:cNvSpPr>
-          <p:nvPr>
-            <p:ph type="pic" sz="quarter" idx="14"/>
-          </p:nvPr>
-        </p:nvSpPr>
-        <p:spPr>
-          <a:xfrm>
-            <a:off x="313592" y="4536078"/>
-            <a:ext cx="2121877" cy="529698"/>
-          </a:xfrm>
-          <a:prstGeom prst="rect">
-            <a:avLst/>
-          </a:prstGeom>
-        </p:spPr>
-        <p:txBody>
-          <a:bodyPr/>
-          <a:lstStyle/>
-          <a:p>
-            <a:endParaRPr lang="en-US" dirty="0"/>
           </a:p>
         </p:txBody>
       </p:sp>
@@ -1604,6 +1604,39 @@
       </p:grpSpPr>
       <p:sp>
         <p:nvSpPr>
+          <p:cNvPr id="12" name="Picture Placeholder 13">
+            <a:extLst>
+              <a:ext uri="{FF2B5EF4-FFF2-40B4-BE49-F238E27FC236}">
+                <a16:creationId xmlns:a16="http://schemas.microsoft.com/office/drawing/2014/main" id="{2DB97592-C4D5-B315-7F11-AA14F6EE8A62}"/>
+              </a:ext>
+            </a:extLst>
+          </p:cNvPr>
+          <p:cNvSpPr>
+            <a:spLocks noGrp="1"/>
+          </p:cNvSpPr>
+          <p:nvPr>
+            <p:ph type="pic" sz="quarter" idx="13"/>
+          </p:nvPr>
+        </p:nvSpPr>
+        <p:spPr>
+          <a:xfrm>
+            <a:off x="313592" y="4536078"/>
+            <a:ext cx="2126273" cy="529698"/>
+          </a:xfrm>
+          <a:prstGeom prst="rect">
+            <a:avLst/>
+          </a:prstGeom>
+        </p:spPr>
+        <p:txBody>
+          <a:bodyPr/>
+          <a:lstStyle/>
+          <a:p>
+            <a:endParaRPr lang="en-US" dirty="0"/>
+          </a:p>
+        </p:txBody>
+      </p:sp>
+      <p:sp>
+        <p:nvSpPr>
           <p:cNvPr id="3" name="Shape 1">
             <a:extLst>
               <a:ext uri="{FF2B5EF4-FFF2-40B4-BE49-F238E27FC236}">
@@ -1719,39 +1752,6 @@
           </a:p>
           <a:p>
             <a:pPr lvl="0"/>
-            <a:endParaRPr lang="en-US" dirty="0"/>
-          </a:p>
-        </p:txBody>
-      </p:sp>
-      <p:sp>
-        <p:nvSpPr>
-          <p:cNvPr id="12" name="Picture Placeholder 13">
-            <a:extLst>
-              <a:ext uri="{FF2B5EF4-FFF2-40B4-BE49-F238E27FC236}">
-                <a16:creationId xmlns:a16="http://schemas.microsoft.com/office/drawing/2014/main" id="{2DB97592-C4D5-B315-7F11-AA14F6EE8A62}"/>
-              </a:ext>
-            </a:extLst>
-          </p:cNvPr>
-          <p:cNvSpPr>
-            <a:spLocks noGrp="1"/>
-          </p:cNvSpPr>
-          <p:nvPr>
-            <p:ph type="pic" sz="quarter" idx="13"/>
-          </p:nvPr>
-        </p:nvSpPr>
-        <p:spPr>
-          <a:xfrm>
-            <a:off x="313592" y="4536078"/>
-            <a:ext cx="2126273" cy="529698"/>
-          </a:xfrm>
-          <a:prstGeom prst="rect">
-            <a:avLst/>
-          </a:prstGeom>
-        </p:spPr>
-        <p:txBody>
-          <a:bodyPr/>
-          <a:lstStyle/>
-          <a:p>
             <a:endParaRPr lang="en-US" dirty="0"/>
           </a:p>
         </p:txBody>
@@ -1863,6 +1863,39 @@
       </p:grpSpPr>
       <p:sp>
         <p:nvSpPr>
+          <p:cNvPr id="10" name="Picture Placeholder 13">
+            <a:extLst>
+              <a:ext uri="{FF2B5EF4-FFF2-40B4-BE49-F238E27FC236}">
+                <a16:creationId xmlns:a16="http://schemas.microsoft.com/office/drawing/2014/main" id="{6A0FA445-7602-F06E-EC73-5504EBF827CC}"/>
+              </a:ext>
+            </a:extLst>
+          </p:cNvPr>
+          <p:cNvSpPr>
+            <a:spLocks noGrp="1"/>
+          </p:cNvSpPr>
+          <p:nvPr>
+            <p:ph type="pic" sz="quarter" idx="14"/>
+          </p:nvPr>
+        </p:nvSpPr>
+        <p:spPr>
+          <a:xfrm>
+            <a:off x="313592" y="4536078"/>
+            <a:ext cx="2130670" cy="529698"/>
+          </a:xfrm>
+          <a:prstGeom prst="rect">
+            <a:avLst/>
+          </a:prstGeom>
+        </p:spPr>
+        <p:txBody>
+          <a:bodyPr/>
+          <a:lstStyle/>
+          <a:p>
+            <a:endParaRPr lang="en-US" dirty="0"/>
+          </a:p>
+        </p:txBody>
+      </p:sp>
+      <p:sp>
+        <p:nvSpPr>
           <p:cNvPr id="3" name="Shape 1">
             <a:extLst>
               <a:ext uri="{FF2B5EF4-FFF2-40B4-BE49-F238E27FC236}">
@@ -1952,39 +1985,6 @@
               <a:rPr lang="en-US" dirty="0"/>
               <a:t>Visual Content</a:t>
             </a:r>
-          </a:p>
-        </p:txBody>
-      </p:sp>
-      <p:sp>
-        <p:nvSpPr>
-          <p:cNvPr id="10" name="Picture Placeholder 13">
-            <a:extLst>
-              <a:ext uri="{FF2B5EF4-FFF2-40B4-BE49-F238E27FC236}">
-                <a16:creationId xmlns:a16="http://schemas.microsoft.com/office/drawing/2014/main" id="{6A0FA445-7602-F06E-EC73-5504EBF827CC}"/>
-              </a:ext>
-            </a:extLst>
-          </p:cNvPr>
-          <p:cNvSpPr>
-            <a:spLocks noGrp="1"/>
-          </p:cNvSpPr>
-          <p:nvPr>
-            <p:ph type="pic" sz="quarter" idx="14"/>
-          </p:nvPr>
-        </p:nvSpPr>
-        <p:spPr>
-          <a:xfrm>
-            <a:off x="313592" y="4536078"/>
-            <a:ext cx="2130670" cy="529698"/>
-          </a:xfrm>
-          <a:prstGeom prst="rect">
-            <a:avLst/>
-          </a:prstGeom>
-        </p:spPr>
-        <p:txBody>
-          <a:bodyPr/>
-          <a:lstStyle/>
-          <a:p>
-            <a:endParaRPr lang="en-US" dirty="0"/>
           </a:p>
         </p:txBody>
       </p:sp>
@@ -2180,6 +2180,39 @@
       </p:grpSpPr>
       <p:sp>
         <p:nvSpPr>
+          <p:cNvPr id="10" name="Picture Placeholder 13">
+            <a:extLst>
+              <a:ext uri="{FF2B5EF4-FFF2-40B4-BE49-F238E27FC236}">
+                <a16:creationId xmlns:a16="http://schemas.microsoft.com/office/drawing/2014/main" id="{6A0FA445-7602-F06E-EC73-5504EBF827CC}"/>
+              </a:ext>
+            </a:extLst>
+          </p:cNvPr>
+          <p:cNvSpPr>
+            <a:spLocks noGrp="1"/>
+          </p:cNvSpPr>
+          <p:nvPr>
+            <p:ph type="pic" sz="quarter" idx="14"/>
+          </p:nvPr>
+        </p:nvSpPr>
+        <p:spPr>
+          <a:xfrm>
+            <a:off x="313592" y="4536078"/>
+            <a:ext cx="2104294" cy="529698"/>
+          </a:xfrm>
+          <a:prstGeom prst="rect">
+            <a:avLst/>
+          </a:prstGeom>
+        </p:spPr>
+        <p:txBody>
+          <a:bodyPr/>
+          <a:lstStyle/>
+          <a:p>
+            <a:endParaRPr lang="en-US" dirty="0"/>
+          </a:p>
+        </p:txBody>
+      </p:sp>
+      <p:sp>
+        <p:nvSpPr>
           <p:cNvPr id="3" name="Shape 1">
             <a:extLst>
               <a:ext uri="{FF2B5EF4-FFF2-40B4-BE49-F238E27FC236}">
@@ -2269,39 +2302,6 @@
               <a:rPr lang="en-US" dirty="0"/>
               <a:t>Data Visualization</a:t>
             </a:r>
-          </a:p>
-        </p:txBody>
-      </p:sp>
-      <p:sp>
-        <p:nvSpPr>
-          <p:cNvPr id="10" name="Picture Placeholder 13">
-            <a:extLst>
-              <a:ext uri="{FF2B5EF4-FFF2-40B4-BE49-F238E27FC236}">
-                <a16:creationId xmlns:a16="http://schemas.microsoft.com/office/drawing/2014/main" id="{6A0FA445-7602-F06E-EC73-5504EBF827CC}"/>
-              </a:ext>
-            </a:extLst>
-          </p:cNvPr>
-          <p:cNvSpPr>
-            <a:spLocks noGrp="1"/>
-          </p:cNvSpPr>
-          <p:nvPr>
-            <p:ph type="pic" sz="quarter" idx="14"/>
-          </p:nvPr>
-        </p:nvSpPr>
-        <p:spPr>
-          <a:xfrm>
-            <a:off x="313592" y="4536078"/>
-            <a:ext cx="2104294" cy="529698"/>
-          </a:xfrm>
-          <a:prstGeom prst="rect">
-            <a:avLst/>
-          </a:prstGeom>
-        </p:spPr>
-        <p:txBody>
-          <a:bodyPr/>
-          <a:lstStyle/>
-          <a:p>
-            <a:endParaRPr lang="en-US" dirty="0"/>
           </a:p>
         </p:txBody>
       </p:sp>
@@ -3423,7 +3423,7 @@
       <p:grpSpPr/>
       <p:sp>
         <p:nvSpPr>
-          <p:cNvPr id="2" name="Text Placeholder 1"/>
+          <p:cNvPr id="3" name="Text Placeholder 2"/>
           <p:cNvSpPr>
             <a:spLocks noGrp="1"/>
           </p:cNvSpPr>
@@ -3727,7 +3727,7 @@
       <p:grpSpPr/>
       <p:sp>
         <p:nvSpPr>
-          <p:cNvPr id="2" name="Text Placeholder 1"/>
+          <p:cNvPr id="3" name="Text Placeholder 2"/>
           <p:cNvSpPr>
             <a:spLocks noGrp="1"/>
           </p:cNvSpPr>
@@ -3902,7 +3902,7 @@
       <p:grpSpPr/>
       <p:sp>
         <p:nvSpPr>
-          <p:cNvPr id="2" name="Text Placeholder 1"/>
+          <p:cNvPr id="3" name="Text Placeholder 2"/>
           <p:cNvSpPr>
             <a:spLocks noGrp="1"/>
           </p:cNvSpPr>
@@ -4770,7 +4770,7 @@
       <p:grpSpPr/>
       <p:sp>
         <p:nvSpPr>
-          <p:cNvPr id="2" name="Text Placeholder 1"/>
+          <p:cNvPr id="3" name="Text Placeholder 2"/>
           <p:cNvSpPr>
             <a:spLocks noGrp="1"/>
           </p:cNvSpPr>
@@ -4959,7 +4959,7 @@
       <p:grpSpPr/>
       <p:sp>
         <p:nvSpPr>
-          <p:cNvPr id="2" name="Text Placeholder 1"/>
+          <p:cNvPr id="3" name="Text Placeholder 2"/>
           <p:cNvSpPr>
             <a:spLocks noGrp="1"/>
           </p:cNvSpPr>
@@ -5143,7 +5143,7 @@
       <p:grpSpPr/>
       <p:sp>
         <p:nvSpPr>
-          <p:cNvPr id="2" name="Text Placeholder 1"/>
+          <p:cNvPr id="3" name="Text Placeholder 2"/>
           <p:cNvSpPr>
             <a:spLocks noGrp="1"/>
           </p:cNvSpPr>
@@ -5632,7 +5632,7 @@
       <p:grpSpPr/>
       <p:sp>
         <p:nvSpPr>
-          <p:cNvPr id="2" name="Text Placeholder 1"/>
+          <p:cNvPr id="3" name="Text Placeholder 2"/>
           <p:cNvSpPr>
             <a:spLocks noGrp="1"/>
           </p:cNvSpPr>
@@ -5805,7 +5805,7 @@
       <p:grpSpPr/>
       <p:sp>
         <p:nvSpPr>
-          <p:cNvPr id="2" name="Text Placeholder 1"/>
+          <p:cNvPr id="3" name="Text Placeholder 2"/>
           <p:cNvSpPr>
             <a:spLocks noGrp="1"/>
           </p:cNvSpPr>
@@ -5992,7 +5992,7 @@
       <p:grpSpPr/>
       <p:sp>
         <p:nvSpPr>
-          <p:cNvPr id="2" name="Text Placeholder 1"/>
+          <p:cNvPr id="3" name="Text Placeholder 2"/>
           <p:cNvSpPr>
             <a:spLocks noGrp="1"/>
           </p:cNvSpPr>

--- a/solutions/cisco/ai/network-analytics/presales/solution-briefing.pptx
+++ b/solutions/cisco/ai/network-analytics/presales/solution-briefing.pptx
@@ -3326,7 +3326,7 @@
           <a:lstStyle/>
           <a:p>
             <a:r>
-              <a:t>['Presenter Name'] | November 22, 2025</a:t>
+              <a:t>['Presenter Name'] | November 24, 2025</a:t>
             </a:r>
           </a:p>
         </p:txBody>
@@ -6215,7 +6215,7 @@
                     <a:p>
                       <a:r>
                         <a:rPr sz="1100"/>
-                        <a:t>$85,100</a:t>
+                        <a:t>$0</a:t>
                       </a:r>
                     </a:p>
                   </a:txBody>
@@ -6249,7 +6249,7 @@
                     <a:p>
                       <a:r>
                         <a:rPr sz="1100"/>
-                        <a:t>$85,100</a:t>
+                        <a:t>$0</a:t>
                       </a:r>
                     </a:p>
                   </a:txBody>
@@ -6300,7 +6300,7 @@
                     <a:p>
                       <a:r>
                         <a:rPr sz="1100"/>
-                        <a:t>$85,100</a:t>
+                        <a:t>$0</a:t>
                       </a:r>
                     </a:p>
                   </a:txBody>
@@ -6440,7 +6440,7 @@
                     <a:p>
                       <a:r>
                         <a:rPr sz="1100"/>
-                        <a:t>Software</a:t>
+                        <a:t>Software Licenses</a:t>
                       </a:r>
                     </a:p>
                   </a:txBody>
@@ -6561,7 +6561,7 @@
                     <a:p>
                       <a:r>
                         <a:rPr sz="1100"/>
-                        <a:t>Support</a:t>
+                        <a:t>Support &amp; Maintenance</a:t>
                       </a:r>
                     </a:p>
                   </a:txBody>
@@ -6699,7 +6699,7 @@
                     <a:p>
                       <a:r>
                         <a:rPr b="1" sz="1100"/>
-                        <a:t>$333,100</a:t>
+                        <a:t>$248,000</a:t>
                       </a:r>
                     </a:p>
                   </a:txBody>
@@ -6733,7 +6733,7 @@
                     <a:p>
                       <a:r>
                         <a:rPr b="1" sz="1100"/>
-                        <a:t>$313,100</a:t>
+                        <a:t>$228,000</a:t>
                       </a:r>
                     </a:p>
                   </a:txBody>
@@ -6784,7 +6784,7 @@
                     <a:p>
                       <a:r>
                         <a:rPr b="1" sz="1100"/>
-                        <a:t>$569,100</a:t>
+                        <a:t>$484,000</a:t>
                       </a:r>
                     </a:p>
                   </a:txBody>
